--- a/NetAgent/src/main/resources/NAQuarantine.pptx
+++ b/NetAgent/src/main/resources/NAQuarantine.pptx
@@ -17,6 +17,8 @@
     <p:sldId xmlns:r="http://schemas.openxmlformats.org/officeDocument/2006/relationships" id="377" r:id="rId42"/>
     <p:sldId xmlns:r="http://schemas.openxmlformats.org/officeDocument/2006/relationships" id="390" r:id="rId46"/>
     <p:sldId xmlns:r="http://schemas.openxmlformats.org/officeDocument/2006/relationships" id="403" r:id="rId50"/>
+    <p:sldId xmlns:r="http://schemas.openxmlformats.org/officeDocument/2006/relationships" id="416" r:id="rId54"/>
+    <p:sldId xmlns:r="http://schemas.openxmlformats.org/officeDocument/2006/relationships" id="429" r:id="rId58"/>
   </p:sldIdLst>
   <p:sldSz cx="12191695" cy="6858000"/>
   <p:notesSz cx="7772400" cy="10058400"/>
@@ -485,7 +487,7 @@
                 </a:solidFill>
                 <a:latin typeface="Arial"/>
               </a:rPr>
-              <a:t>6/17/2022 1:42 AM</a:t>
+              <a:t>6/19/2022 9:46 PM</a:t>
             </a:r>
           </a:p>
         </p:txBody>
@@ -841,7 +843,7 @@
                 </a:solidFill>
                 <a:latin typeface="Arial"/>
               </a:rPr>
-              <a:t>6/17/2022 1:42 AM</a:t>
+              <a:t>6/19/2022 9:46 PM</a:t>
             </a:r>
           </a:p>
         </p:txBody>
@@ -1197,7 +1199,7 @@
                 </a:solidFill>
                 <a:latin typeface="Arial"/>
               </a:rPr>
-              <a:t>6/17/2022 1:42 AM</a:t>
+              <a:t>6/19/2022 9:46 PM</a:t>
             </a:r>
           </a:p>
         </p:txBody>
@@ -1553,7 +1555,7 @@
                 </a:solidFill>
                 <a:latin typeface="Arial"/>
               </a:rPr>
-              <a:t>6/17/2022 1:42 AM</a:t>
+              <a:t>6/19/2022 9:46 PM</a:t>
             </a:r>
           </a:p>
         </p:txBody>
@@ -1909,7 +1911,7 @@
                 </a:solidFill>
                 <a:latin typeface="Arial"/>
               </a:rPr>
-              <a:t>6/17/2022 1:42 AM</a:t>
+              <a:t>6/19/2022 9:46 PM</a:t>
             </a:r>
           </a:p>
         </p:txBody>
@@ -2265,7 +2267,7 @@
                 </a:solidFill>
                 <a:latin typeface="Arial"/>
               </a:rPr>
-              <a:t>6/17/2022 1:42 AM</a:t>
+              <a:t>6/19/2022 9:46 PM</a:t>
             </a:r>
           </a:p>
         </p:txBody>
@@ -2621,7 +2623,7 @@
                 </a:solidFill>
                 <a:latin typeface="Arial"/>
               </a:rPr>
-              <a:t>6/17/2022 1:42 AM</a:t>
+              <a:t>6/19/2022 9:46 PM</a:t>
             </a:r>
           </a:p>
         </p:txBody>
@@ -2977,7 +2979,7 @@
                 </a:solidFill>
                 <a:latin typeface="Arial"/>
               </a:rPr>
-              <a:t>6/17/2022 1:42 AM</a:t>
+              <a:t>6/19/2022 9:46 PM</a:t>
             </a:r>
           </a:p>
         </p:txBody>
@@ -3333,7 +3335,7 @@
                 </a:solidFill>
                 <a:latin typeface="Arial"/>
               </a:rPr>
-              <a:t>6/17/2022 1:42 AM</a:t>
+              <a:t>6/19/2022 9:46 PM</a:t>
             </a:r>
           </a:p>
         </p:txBody>
@@ -3689,7 +3691,7 @@
                 </a:solidFill>
                 <a:latin typeface="Arial"/>
               </a:rPr>
-              <a:t>6/17/2022 1:42 AM</a:t>
+              <a:t>6/19/2022 9:46 PM</a:t>
             </a:r>
           </a:p>
         </p:txBody>
@@ -4007,7 +4009,7 @@
         <p:spPr>
           <a:xfrm xmlns:a="http://schemas.openxmlformats.org/drawingml/2006/main">
             <a:off x="685800" y="1552569"/>
-            <a:ext cx="10771311" cy="3439189"/>
+            <a:ext cx="10771311" cy="3723676"/>
           </a:xfrm>
           <a:prstGeom xmlns:a="http://schemas.openxmlformats.org/drawingml/2006/main" prst="rect"/>
           <a:noFill xmlns:a="http://schemas.openxmlformats.org/drawingml/2006/main"/>
@@ -4045,7 +4047,7 @@
                 </a:solidFill>
                 <a:latin typeface="Arial"/>
               </a:rPr>
-              <a:t>6/17/2022 1:42 AM</a:t>
+              <a:t>6/19/2022 9:46 PM</a:t>
             </a:r>
           </a:p>
         </p:txBody>
@@ -4363,7 +4365,7 @@
         <p:spPr>
           <a:xfrm xmlns:a="http://schemas.openxmlformats.org/drawingml/2006/main">
             <a:off x="685800" y="1552569"/>
-            <a:ext cx="8791581" cy="3439189"/>
+            <a:ext cx="8791581" cy="3723676"/>
           </a:xfrm>
           <a:prstGeom xmlns:a="http://schemas.openxmlformats.org/drawingml/2006/main" prst="rect"/>
           <a:noFill xmlns:a="http://schemas.openxmlformats.org/drawingml/2006/main"/>
@@ -4401,7 +4403,7 @@
                 </a:solidFill>
                 <a:latin typeface="Arial"/>
               </a:rPr>
-              <a:t>6/17/2022 1:42 AM</a:t>
+              <a:t>6/19/2022 9:46 PM</a:t>
             </a:r>
           </a:p>
         </p:txBody>
@@ -4498,6 +4500,718 @@
       <p:sp>
         <p:nvSpPr>
           <p:cNvPr id="414" name=""/>
+          <p:cNvSpPr/>
+          <p:nvPr/>
+        </p:nvSpPr>
+        <p:spPr>
+          <a:xfrm xmlns:a="http://schemas.openxmlformats.org/drawingml/2006/main">
+            <a:off x="880796" y="5744274"/>
+            <a:ext cx="6175757" cy="128020"/>
+          </a:xfrm>
+          <a:prstGeom xmlns:a="http://schemas.openxmlformats.org/drawingml/2006/main" prst="rect"/>
+          <a:noFill xmlns:a="http://schemas.openxmlformats.org/drawingml/2006/main"/>
+          <a:ln xmlns:a="http://schemas.openxmlformats.org/drawingml/2006/main">
+            <a:noFill/>
+          </a:ln>
+        </p:spPr>
+        <p:txBody>
+          <a:bodyPr xmlns:a="http://schemas.openxmlformats.org/drawingml/2006/main" vert="horz" lIns="0" tIns="0" rIns="0" bIns="0" anchor="t" anchorCtr="0"/>
+          <a:lstStyle xmlns:a="http://schemas.openxmlformats.org/drawingml/2006/main"/>
+          <a:p xmlns:a="http://schemas.openxmlformats.org/drawingml/2006/main">
+            <a:pPr marL="0" marR="0" indent="0" algn="l" rtl="0"/>
+            <a:r>
+              <a:rPr lang="en-US" sz="900" b="0" i="0" u="none" strike="noStrike" dirty="0">
+                <a:solidFill>
+                  <a:srgbClr val="000000"/>
+                </a:solidFill>
+                <a:latin typeface="Arial"/>
+              </a:rPr>
+              <a:t> ©2011-2022 MNX Global Logistics. All rights reserved.</a:t>
+            </a:r>
+          </a:p>
+        </p:txBody>
+      </p:sp>
+    </p:spTree>
+  </p:cSld>
+  <p:clrMapOvr>
+    <a:masterClrMapping xmlns:a="http://schemas.openxmlformats.org/drawingml/2006/main"/>
+  </p:clrMapOvr>
+</p:sld>
+</file>
+
+<file path=ppt/slides/slided.xml><?xml version="1.0" encoding="utf-8"?>
+<p:sld xmlns:p="http://schemas.openxmlformats.org/presentationml/2006/main">
+  <p:cSld>
+    <p:spTree>
+      <p:nvGrpSpPr>
+        <p:cNvPr id="415" name=""/>
+        <p:cNvGrpSpPr/>
+        <p:nvPr/>
+      </p:nvGrpSpPr>
+      <p:grpSpPr>
+        <a:xfrm xmlns:a="http://schemas.openxmlformats.org/drawingml/2006/main"/>
+      </p:grpSpPr>
+      <p:sp>
+        <p:nvSpPr>
+          <p:cNvPr id="417" name=""/>
+          <p:cNvSpPr/>
+          <p:nvPr/>
+        </p:nvSpPr>
+        <p:spPr>
+          <a:xfrm xmlns:a="http://schemas.openxmlformats.org/drawingml/2006/main">
+            <a:off x="3429000" y="800100"/>
+            <a:ext cx="4200525" cy="255020"/>
+          </a:xfrm>
+          <a:prstGeom xmlns:a="http://schemas.openxmlformats.org/drawingml/2006/main" prst="rect"/>
+          <a:noFill xmlns:a="http://schemas.openxmlformats.org/drawingml/2006/main"/>
+          <a:ln xmlns:a="http://schemas.openxmlformats.org/drawingml/2006/main">
+            <a:noFill/>
+          </a:ln>
+        </p:spPr>
+        <p:txBody>
+          <a:bodyPr xmlns:a="http://schemas.openxmlformats.org/drawingml/2006/main" vert="horz" lIns="25400" tIns="25400" rIns="25400" bIns="25400" anchor="t" anchorCtr="0"/>
+          <a:lstStyle xmlns:a="http://schemas.openxmlformats.org/drawingml/2006/main"/>
+          <a:p xmlns:a="http://schemas.openxmlformats.org/drawingml/2006/main">
+            <a:pPr marL="0" marR="0" indent="0" algn="ctr" rtl="0"/>
+            <a:r>
+              <a:rPr lang="en-US" sz="1400" b="1" i="0" u="none" strike="noStrike" dirty="0">
+                <a:solidFill>
+                  <a:srgbClr val="000000"/>
+                </a:solidFill>
+                <a:latin typeface="Arial"/>
+              </a:rPr>
+              <a:t>Quarantine Report</a:t>
+            </a:r>
+          </a:p>
+        </p:txBody>
+      </p:sp>
+      <p:pic>
+        <p:nvPicPr>
+          <p:cNvPr id="418" name=""/>
+          <p:cNvPicPr>
+            <a:picLocks xmlns:a="http://schemas.openxmlformats.org/drawingml/2006/main" noChangeAspect="1"/>
+          </p:cNvPicPr>
+          <p:nvPr/>
+        </p:nvPicPr>
+        <p:blipFill>
+          <a:blip xmlns:r="http://schemas.openxmlformats.org/officeDocument/2006/relationships" xmlns:a="http://schemas.openxmlformats.org/drawingml/2006/main" r:embed="rId56"/>
+          <a:srcRect xmlns:a="http://schemas.openxmlformats.org/drawingml/2006/main" l="0" t="0" r="0" b="0"/>
+          <a:stretch xmlns:a="http://schemas.openxmlformats.org/drawingml/2006/main">
+            <a:fillRect/>
+          </a:stretch>
+        </p:blipFill>
+        <p:spPr>
+          <a:xfrm xmlns:a="http://schemas.openxmlformats.org/drawingml/2006/main">
+            <a:off x="685800" y="702671"/>
+            <a:ext cx="1280160" cy="440329"/>
+          </a:xfrm>
+          <a:prstGeom xmlns:a="http://schemas.openxmlformats.org/drawingml/2006/main" prst="rect"/>
+          <a:noFill xmlns:a="http://schemas.openxmlformats.org/drawingml/2006/main"/>
+          <a:ln xmlns:a="http://schemas.openxmlformats.org/drawingml/2006/main">
+            <a:noFill/>
+          </a:ln>
+        </p:spPr>
+      </p:pic>
+      <p:sp>
+        <p:nvSpPr>
+          <p:cNvPr id="419" name=""/>
+          <p:cNvSpPr/>
+          <p:nvPr/>
+        </p:nvSpPr>
+        <p:spPr>
+          <a:xfrm xmlns:a="http://schemas.openxmlformats.org/drawingml/2006/main" flipV="0">
+            <a:off x="685800" y="1231898"/>
+            <a:ext cx="11505896" cy="0"/>
+          </a:xfrm>
+          <a:prstGeom xmlns:a="http://schemas.openxmlformats.org/drawingml/2006/main" prst="line"/>
+          <a:noFill xmlns:a="http://schemas.openxmlformats.org/drawingml/2006/main"/>
+          <a:ln xmlns:a="http://schemas.openxmlformats.org/drawingml/2006/main" w="12700">
+            <a:solidFill>
+              <a:srgbClr val="000000"/>
+            </a:solidFill>
+            <a:prstDash val="dot"/>
+          </a:ln>
+        </p:spPr>
+      </p:sp>
+      <p:sp>
+        <p:nvSpPr>
+          <p:cNvPr id="420" name=""/>
+          <p:cNvSpPr/>
+          <p:nvPr/>
+        </p:nvSpPr>
+        <p:spPr>
+          <a:xfrm xmlns:a="http://schemas.openxmlformats.org/drawingml/2006/main">
+            <a:off x="1422294" y="1316352"/>
+            <a:ext cx="2653680" cy="215268"/>
+          </a:xfrm>
+          <a:prstGeom xmlns:a="http://schemas.openxmlformats.org/drawingml/2006/main" prst="rect"/>
+          <a:noFill xmlns:a="http://schemas.openxmlformats.org/drawingml/2006/main"/>
+          <a:ln xmlns:a="http://schemas.openxmlformats.org/drawingml/2006/main">
+            <a:noFill/>
+          </a:ln>
+        </p:spPr>
+        <p:txBody>
+          <a:bodyPr xmlns:a="http://schemas.openxmlformats.org/drawingml/2006/main" vert="horz" lIns="25400" tIns="25400" rIns="25400" bIns="25400" anchor="t" anchorCtr="0"/>
+          <a:lstStyle xmlns:a="http://schemas.openxmlformats.org/drawingml/2006/main"/>
+          <a:p xmlns:a="http://schemas.openxmlformats.org/drawingml/2006/main">
+            <a:pPr marL="0" marR="0" indent="0" algn="l" rtl="0"/>
+            <a:r>
+              <a:rPr lang="en-US" sz="900" b="0" i="0" u="none" strike="noStrike" dirty="0">
+                <a:solidFill>
+                  <a:srgbClr val="000000"/>
+                </a:solidFill>
+                <a:latin typeface="Arial"/>
+              </a:rPr>
+              <a:t>AUTOMATION RV (F5505)</a:t>
+            </a:r>
+          </a:p>
+        </p:txBody>
+      </p:sp>
+      <p:sp>
+        <p:nvSpPr>
+          <p:cNvPr id="421" name=""/>
+          <p:cNvSpPr/>
+          <p:nvPr/>
+        </p:nvSpPr>
+        <p:spPr>
+          <a:xfrm xmlns:a="http://schemas.openxmlformats.org/drawingml/2006/main">
+            <a:off x="685800" y="1316352"/>
+            <a:ext cx="723793" cy="215268"/>
+          </a:xfrm>
+          <a:prstGeom xmlns:a="http://schemas.openxmlformats.org/drawingml/2006/main" prst="rect"/>
+          <a:solidFill xmlns:a="http://schemas.openxmlformats.org/drawingml/2006/main">
+            <a:srgbClr val="4098C1"/>
+          </a:solidFill>
+          <a:ln xmlns:a="http://schemas.openxmlformats.org/drawingml/2006/main">
+            <a:noFill/>
+          </a:ln>
+        </p:spPr>
+        <p:txBody>
+          <a:bodyPr xmlns:a="http://schemas.openxmlformats.org/drawingml/2006/main" vert="horz" lIns="25400" tIns="25400" rIns="25400" bIns="25400" anchor="t" anchorCtr="0"/>
+          <a:lstStyle xmlns:a="http://schemas.openxmlformats.org/drawingml/2006/main"/>
+          <a:p xmlns:a="http://schemas.openxmlformats.org/drawingml/2006/main">
+            <a:pPr marL="0" marR="0" indent="0" algn="l" rtl="0"/>
+            <a:r>
+              <a:rPr lang="en-US" sz="900" b="0" i="0" u="none" strike="noStrike" dirty="0">
+                <a:solidFill>
+                  <a:srgbClr val="FFFFFF"/>
+                </a:solidFill>
+                <a:latin typeface="Arial"/>
+              </a:rPr>
+              <a:t>FSL Name :</a:t>
+            </a:r>
+          </a:p>
+        </p:txBody>
+      </p:sp>
+      <p:pic>
+        <p:nvPicPr>
+          <p:cNvPr id="422" name=""/>
+          <p:cNvPicPr>
+            <a:picLocks xmlns:a="http://schemas.openxmlformats.org/drawingml/2006/main" noChangeAspect="1"/>
+          </p:cNvPicPr>
+          <p:nvPr/>
+        </p:nvPicPr>
+        <p:blipFill>
+          <a:blip xmlns:r="http://schemas.openxmlformats.org/officeDocument/2006/relationships" xmlns:a="http://schemas.openxmlformats.org/drawingml/2006/main" r:embed="rId57"/>
+          <a:srcRect xmlns:a="http://schemas.openxmlformats.org/drawingml/2006/main" l="0" t="0" r="0" b="0"/>
+          <a:stretch xmlns:a="http://schemas.openxmlformats.org/drawingml/2006/main">
+            <a:fillRect/>
+          </a:stretch>
+        </p:blipFill>
+        <p:spPr>
+          <a:xfrm xmlns:a="http://schemas.openxmlformats.org/drawingml/2006/main">
+            <a:off x="685800" y="1552569"/>
+            <a:ext cx="10771311" cy="806708"/>
+          </a:xfrm>
+          <a:prstGeom xmlns:a="http://schemas.openxmlformats.org/drawingml/2006/main" prst="rect"/>
+          <a:noFill xmlns:a="http://schemas.openxmlformats.org/drawingml/2006/main"/>
+          <a:ln xmlns:a="http://schemas.openxmlformats.org/drawingml/2006/main">
+            <a:noFill/>
+          </a:ln>
+        </p:spPr>
+      </p:pic>
+      <p:sp>
+        <p:nvSpPr>
+          <p:cNvPr id="423" name=""/>
+          <p:cNvSpPr/>
+          <p:nvPr/>
+        </p:nvSpPr>
+        <p:spPr>
+          <a:xfrm xmlns:a="http://schemas.openxmlformats.org/drawingml/2006/main">
+            <a:off x="685800" y="5993268"/>
+            <a:ext cx="1400166" cy="178932"/>
+          </a:xfrm>
+          <a:prstGeom xmlns:a="http://schemas.openxmlformats.org/drawingml/2006/main" prst="rect"/>
+          <a:noFill xmlns:a="http://schemas.openxmlformats.org/drawingml/2006/main"/>
+          <a:ln xmlns:a="http://schemas.openxmlformats.org/drawingml/2006/main">
+            <a:noFill/>
+          </a:ln>
+        </p:spPr>
+        <p:txBody>
+          <a:bodyPr xmlns:a="http://schemas.openxmlformats.org/drawingml/2006/main" vert="horz" lIns="0" tIns="0" rIns="0" bIns="0" anchor="t" anchorCtr="0"/>
+          <a:lstStyle xmlns:a="http://schemas.openxmlformats.org/drawingml/2006/main"/>
+          <a:p xmlns:a="http://schemas.openxmlformats.org/drawingml/2006/main">
+            <a:pPr marL="0" marR="0" indent="0" algn="l" rtl="0"/>
+            <a:r>
+              <a:rPr lang="en-US" sz="900" b="0" i="0" u="none" strike="noStrike" dirty="0">
+                <a:solidFill>
+                  <a:srgbClr val="000000"/>
+                </a:solidFill>
+                <a:latin typeface="Arial"/>
+              </a:rPr>
+              <a:t>6/19/2022 9:46 PM</a:t>
+            </a:r>
+          </a:p>
+        </p:txBody>
+      </p:sp>
+      <p:sp>
+        <p:nvSpPr>
+          <p:cNvPr id="424" name=""/>
+          <p:cNvSpPr/>
+          <p:nvPr/>
+        </p:nvSpPr>
+        <p:spPr>
+          <a:xfrm xmlns:a="http://schemas.openxmlformats.org/drawingml/2006/main">
+            <a:off x="6436499" y="5993268"/>
+            <a:ext cx="2015228" cy="178932"/>
+          </a:xfrm>
+          <a:prstGeom xmlns:a="http://schemas.openxmlformats.org/drawingml/2006/main" prst="rect"/>
+          <a:noFill xmlns:a="http://schemas.openxmlformats.org/drawingml/2006/main"/>
+          <a:ln xmlns:a="http://schemas.openxmlformats.org/drawingml/2006/main">
+            <a:noFill/>
+          </a:ln>
+        </p:spPr>
+        <p:txBody>
+          <a:bodyPr xmlns:a="http://schemas.openxmlformats.org/drawingml/2006/main" vert="horz" lIns="0" tIns="0" rIns="0" bIns="0" anchor="t" anchorCtr="0"/>
+          <a:lstStyle xmlns:a="http://schemas.openxmlformats.org/drawingml/2006/main"/>
+          <a:p xmlns:a="http://schemas.openxmlformats.org/drawingml/2006/main">
+            <a:pPr marL="0" marR="0" indent="0" algn="ctr" rtl="0"/>
+            <a:r>
+              <a:rPr lang="en-US" sz="900" b="0" i="0" u="none" strike="noStrike" dirty="0">
+                <a:solidFill>
+                  <a:srgbClr val="000000"/>
+                </a:solidFill>
+                <a:latin typeface="Arial"/>
+              </a:rPr>
+              <a:t>Print User : automation</a:t>
+            </a:r>
+          </a:p>
+        </p:txBody>
+      </p:sp>
+      <p:sp>
+        <p:nvSpPr>
+          <p:cNvPr id="425" name=""/>
+          <p:cNvSpPr/>
+          <p:nvPr/>
+        </p:nvSpPr>
+        <p:spPr>
+          <a:xfrm xmlns:a="http://schemas.openxmlformats.org/drawingml/2006/main" flipV="0">
+            <a:off x="685800" y="5984380"/>
+            <a:ext cx="11505896" cy="0"/>
+          </a:xfrm>
+          <a:prstGeom xmlns:a="http://schemas.openxmlformats.org/drawingml/2006/main" prst="line"/>
+          <a:noFill xmlns:a="http://schemas.openxmlformats.org/drawingml/2006/main"/>
+          <a:ln xmlns:a="http://schemas.openxmlformats.org/drawingml/2006/main" w="12700">
+            <a:solidFill>
+              <a:srgbClr val="000000"/>
+            </a:solidFill>
+            <a:prstDash val="solid"/>
+          </a:ln>
+        </p:spPr>
+      </p:sp>
+      <p:sp>
+        <p:nvSpPr>
+          <p:cNvPr id="426" name=""/>
+          <p:cNvSpPr/>
+          <p:nvPr/>
+        </p:nvSpPr>
+        <p:spPr>
+          <a:xfrm xmlns:a="http://schemas.openxmlformats.org/drawingml/2006/main">
+            <a:off x="880796" y="5613081"/>
+            <a:ext cx="6175757" cy="128020"/>
+          </a:xfrm>
+          <a:prstGeom xmlns:a="http://schemas.openxmlformats.org/drawingml/2006/main" prst="rect"/>
+          <a:noFill xmlns:a="http://schemas.openxmlformats.org/drawingml/2006/main"/>
+          <a:ln xmlns:a="http://schemas.openxmlformats.org/drawingml/2006/main">
+            <a:noFill/>
+          </a:ln>
+        </p:spPr>
+        <p:txBody>
+          <a:bodyPr xmlns:a="http://schemas.openxmlformats.org/drawingml/2006/main" vert="horz" lIns="0" tIns="0" rIns="0" bIns="0" anchor="t" anchorCtr="0"/>
+          <a:lstStyle xmlns:a="http://schemas.openxmlformats.org/drawingml/2006/main"/>
+          <a:p xmlns:a="http://schemas.openxmlformats.org/drawingml/2006/main">
+            <a:pPr marL="0" marR="0" indent="0" algn="l" rtl="0"/>
+            <a:r>
+              <a:rPr lang="en-US" sz="900" b="0" i="0" u="none" strike="noStrike" dirty="0">
+                <a:solidFill>
+                  <a:srgbClr val="FF0000"/>
+                </a:solidFill>
+                <a:latin typeface="Arial"/>
+              </a:rPr>
+              <a:t>*Data provided should be considered CONFIDENTIAL and PROPRIETARY*</a:t>
+            </a:r>
+          </a:p>
+        </p:txBody>
+      </p:sp>
+      <p:sp>
+        <p:nvSpPr>
+          <p:cNvPr id="427" name=""/>
+          <p:cNvSpPr/>
+          <p:nvPr/>
+        </p:nvSpPr>
+        <p:spPr>
+          <a:xfrm xmlns:a="http://schemas.openxmlformats.org/drawingml/2006/main">
+            <a:off x="880796" y="5744274"/>
+            <a:ext cx="6175757" cy="128020"/>
+          </a:xfrm>
+          <a:prstGeom xmlns:a="http://schemas.openxmlformats.org/drawingml/2006/main" prst="rect"/>
+          <a:noFill xmlns:a="http://schemas.openxmlformats.org/drawingml/2006/main"/>
+          <a:ln xmlns:a="http://schemas.openxmlformats.org/drawingml/2006/main">
+            <a:noFill/>
+          </a:ln>
+        </p:spPr>
+        <p:txBody>
+          <a:bodyPr xmlns:a="http://schemas.openxmlformats.org/drawingml/2006/main" vert="horz" lIns="0" tIns="0" rIns="0" bIns="0" anchor="t" anchorCtr="0"/>
+          <a:lstStyle xmlns:a="http://schemas.openxmlformats.org/drawingml/2006/main"/>
+          <a:p xmlns:a="http://schemas.openxmlformats.org/drawingml/2006/main">
+            <a:pPr marL="0" marR="0" indent="0" algn="l" rtl="0"/>
+            <a:r>
+              <a:rPr lang="en-US" sz="900" b="0" i="0" u="none" strike="noStrike" dirty="0">
+                <a:solidFill>
+                  <a:srgbClr val="000000"/>
+                </a:solidFill>
+                <a:latin typeface="Arial"/>
+              </a:rPr>
+              <a:t> ©2011-2022 MNX Global Logistics. All rights reserved.</a:t>
+            </a:r>
+          </a:p>
+        </p:txBody>
+      </p:sp>
+    </p:spTree>
+  </p:cSld>
+  <p:clrMapOvr>
+    <a:masterClrMapping xmlns:a="http://schemas.openxmlformats.org/drawingml/2006/main"/>
+  </p:clrMapOvr>
+</p:sld>
+</file>
+
+<file path=ppt/slides/slidee.xml><?xml version="1.0" encoding="utf-8"?>
+<p:sld xmlns:p="http://schemas.openxmlformats.org/presentationml/2006/main">
+  <p:cSld>
+    <p:spTree>
+      <p:nvGrpSpPr>
+        <p:cNvPr id="428" name=""/>
+        <p:cNvGrpSpPr/>
+        <p:nvPr/>
+      </p:nvGrpSpPr>
+      <p:grpSpPr>
+        <a:xfrm xmlns:a="http://schemas.openxmlformats.org/drawingml/2006/main"/>
+      </p:grpSpPr>
+      <p:sp>
+        <p:nvSpPr>
+          <p:cNvPr id="430" name=""/>
+          <p:cNvSpPr/>
+          <p:nvPr/>
+        </p:nvSpPr>
+        <p:spPr>
+          <a:xfrm xmlns:a="http://schemas.openxmlformats.org/drawingml/2006/main">
+            <a:off x="3429000" y="800100"/>
+            <a:ext cx="4200525" cy="255020"/>
+          </a:xfrm>
+          <a:prstGeom xmlns:a="http://schemas.openxmlformats.org/drawingml/2006/main" prst="rect"/>
+          <a:noFill xmlns:a="http://schemas.openxmlformats.org/drawingml/2006/main"/>
+          <a:ln xmlns:a="http://schemas.openxmlformats.org/drawingml/2006/main">
+            <a:noFill/>
+          </a:ln>
+        </p:spPr>
+        <p:txBody>
+          <a:bodyPr xmlns:a="http://schemas.openxmlformats.org/drawingml/2006/main" vert="horz" lIns="25400" tIns="25400" rIns="25400" bIns="25400" anchor="t" anchorCtr="0"/>
+          <a:lstStyle xmlns:a="http://schemas.openxmlformats.org/drawingml/2006/main"/>
+          <a:p xmlns:a="http://schemas.openxmlformats.org/drawingml/2006/main">
+            <a:pPr marL="0" marR="0" indent="0" algn="ctr" rtl="0"/>
+            <a:r>
+              <a:rPr lang="en-US" sz="1400" b="1" i="0" u="none" strike="noStrike" dirty="0">
+                <a:solidFill>
+                  <a:srgbClr val="000000"/>
+                </a:solidFill>
+                <a:latin typeface="Arial"/>
+              </a:rPr>
+              <a:t>Quarantine Report</a:t>
+            </a:r>
+          </a:p>
+        </p:txBody>
+      </p:sp>
+      <p:pic>
+        <p:nvPicPr>
+          <p:cNvPr id="431" name=""/>
+          <p:cNvPicPr>
+            <a:picLocks xmlns:a="http://schemas.openxmlformats.org/drawingml/2006/main" noChangeAspect="1"/>
+          </p:cNvPicPr>
+          <p:nvPr/>
+        </p:nvPicPr>
+        <p:blipFill>
+          <a:blip xmlns:r="http://schemas.openxmlformats.org/officeDocument/2006/relationships" xmlns:a="http://schemas.openxmlformats.org/drawingml/2006/main" r:embed="rId60"/>
+          <a:srcRect xmlns:a="http://schemas.openxmlformats.org/drawingml/2006/main" l="0" t="0" r="0" b="0"/>
+          <a:stretch xmlns:a="http://schemas.openxmlformats.org/drawingml/2006/main">
+            <a:fillRect/>
+          </a:stretch>
+        </p:blipFill>
+        <p:spPr>
+          <a:xfrm xmlns:a="http://schemas.openxmlformats.org/drawingml/2006/main">
+            <a:off x="685800" y="702671"/>
+            <a:ext cx="1280160" cy="440329"/>
+          </a:xfrm>
+          <a:prstGeom xmlns:a="http://schemas.openxmlformats.org/drawingml/2006/main" prst="rect"/>
+          <a:noFill xmlns:a="http://schemas.openxmlformats.org/drawingml/2006/main"/>
+          <a:ln xmlns:a="http://schemas.openxmlformats.org/drawingml/2006/main">
+            <a:noFill/>
+          </a:ln>
+        </p:spPr>
+      </p:pic>
+      <p:sp>
+        <p:nvSpPr>
+          <p:cNvPr id="432" name=""/>
+          <p:cNvSpPr/>
+          <p:nvPr/>
+        </p:nvSpPr>
+        <p:spPr>
+          <a:xfrm xmlns:a="http://schemas.openxmlformats.org/drawingml/2006/main" flipV="0">
+            <a:off x="685800" y="1231898"/>
+            <a:ext cx="11505896" cy="0"/>
+          </a:xfrm>
+          <a:prstGeom xmlns:a="http://schemas.openxmlformats.org/drawingml/2006/main" prst="line"/>
+          <a:noFill xmlns:a="http://schemas.openxmlformats.org/drawingml/2006/main"/>
+          <a:ln xmlns:a="http://schemas.openxmlformats.org/drawingml/2006/main" w="12700">
+            <a:solidFill>
+              <a:srgbClr val="000000"/>
+            </a:solidFill>
+            <a:prstDash val="dot"/>
+          </a:ln>
+        </p:spPr>
+      </p:sp>
+      <p:sp>
+        <p:nvSpPr>
+          <p:cNvPr id="433" name=""/>
+          <p:cNvSpPr/>
+          <p:nvPr/>
+        </p:nvSpPr>
+        <p:spPr>
+          <a:xfrm xmlns:a="http://schemas.openxmlformats.org/drawingml/2006/main">
+            <a:off x="1422294" y="1316352"/>
+            <a:ext cx="2653680" cy="215268"/>
+          </a:xfrm>
+          <a:prstGeom xmlns:a="http://schemas.openxmlformats.org/drawingml/2006/main" prst="rect"/>
+          <a:noFill xmlns:a="http://schemas.openxmlformats.org/drawingml/2006/main"/>
+          <a:ln xmlns:a="http://schemas.openxmlformats.org/drawingml/2006/main">
+            <a:noFill/>
+          </a:ln>
+        </p:spPr>
+        <p:txBody>
+          <a:bodyPr xmlns:a="http://schemas.openxmlformats.org/drawingml/2006/main" vert="horz" lIns="25400" tIns="25400" rIns="25400" bIns="25400" anchor="t" anchorCtr="0"/>
+          <a:lstStyle xmlns:a="http://schemas.openxmlformats.org/drawingml/2006/main"/>
+          <a:p xmlns:a="http://schemas.openxmlformats.org/drawingml/2006/main">
+            <a:pPr marL="0" marR="0" indent="0" algn="l" rtl="0"/>
+            <a:r>
+              <a:rPr lang="en-US" sz="900" b="0" i="0" u="none" strike="noStrike" dirty="0">
+                <a:solidFill>
+                  <a:srgbClr val="000000"/>
+                </a:solidFill>
+                <a:latin typeface="Arial"/>
+              </a:rPr>
+              <a:t>AUTOMATION RV (F5505)</a:t>
+            </a:r>
+          </a:p>
+        </p:txBody>
+      </p:sp>
+      <p:sp>
+        <p:nvSpPr>
+          <p:cNvPr id="434" name=""/>
+          <p:cNvSpPr/>
+          <p:nvPr/>
+        </p:nvSpPr>
+        <p:spPr>
+          <a:xfrm xmlns:a="http://schemas.openxmlformats.org/drawingml/2006/main">
+            <a:off x="685800" y="1316352"/>
+            <a:ext cx="723793" cy="215268"/>
+          </a:xfrm>
+          <a:prstGeom xmlns:a="http://schemas.openxmlformats.org/drawingml/2006/main" prst="rect"/>
+          <a:solidFill xmlns:a="http://schemas.openxmlformats.org/drawingml/2006/main">
+            <a:srgbClr val="4098C1"/>
+          </a:solidFill>
+          <a:ln xmlns:a="http://schemas.openxmlformats.org/drawingml/2006/main">
+            <a:noFill/>
+          </a:ln>
+        </p:spPr>
+        <p:txBody>
+          <a:bodyPr xmlns:a="http://schemas.openxmlformats.org/drawingml/2006/main" vert="horz" lIns="25400" tIns="25400" rIns="25400" bIns="25400" anchor="t" anchorCtr="0"/>
+          <a:lstStyle xmlns:a="http://schemas.openxmlformats.org/drawingml/2006/main"/>
+          <a:p xmlns:a="http://schemas.openxmlformats.org/drawingml/2006/main">
+            <a:pPr marL="0" marR="0" indent="0" algn="l" rtl="0"/>
+            <a:r>
+              <a:rPr lang="en-US" sz="900" b="0" i="0" u="none" strike="noStrike" dirty="0">
+                <a:solidFill>
+                  <a:srgbClr val="FFFFFF"/>
+                </a:solidFill>
+                <a:latin typeface="Arial"/>
+              </a:rPr>
+              <a:t>FSL Name :</a:t>
+            </a:r>
+          </a:p>
+        </p:txBody>
+      </p:sp>
+      <p:pic>
+        <p:nvPicPr>
+          <p:cNvPr id="435" name=""/>
+          <p:cNvPicPr>
+            <a:picLocks xmlns:a="http://schemas.openxmlformats.org/drawingml/2006/main" noChangeAspect="1"/>
+          </p:cNvPicPr>
+          <p:nvPr/>
+        </p:nvPicPr>
+        <p:blipFill>
+          <a:blip xmlns:r="http://schemas.openxmlformats.org/officeDocument/2006/relationships" xmlns:a="http://schemas.openxmlformats.org/drawingml/2006/main" r:embed="rId61"/>
+          <a:srcRect xmlns:a="http://schemas.openxmlformats.org/drawingml/2006/main" l="0" t="0" r="0" b="0"/>
+          <a:stretch xmlns:a="http://schemas.openxmlformats.org/drawingml/2006/main">
+            <a:fillRect/>
+          </a:stretch>
+        </p:blipFill>
+        <p:spPr>
+          <a:xfrm xmlns:a="http://schemas.openxmlformats.org/drawingml/2006/main">
+            <a:off x="685800" y="1552569"/>
+            <a:ext cx="8791581" cy="806708"/>
+          </a:xfrm>
+          <a:prstGeom xmlns:a="http://schemas.openxmlformats.org/drawingml/2006/main" prst="rect"/>
+          <a:noFill xmlns:a="http://schemas.openxmlformats.org/drawingml/2006/main"/>
+          <a:ln xmlns:a="http://schemas.openxmlformats.org/drawingml/2006/main">
+            <a:noFill/>
+          </a:ln>
+        </p:spPr>
+      </p:pic>
+      <p:sp>
+        <p:nvSpPr>
+          <p:cNvPr id="436" name=""/>
+          <p:cNvSpPr/>
+          <p:nvPr/>
+        </p:nvSpPr>
+        <p:spPr>
+          <a:xfrm xmlns:a="http://schemas.openxmlformats.org/drawingml/2006/main">
+            <a:off x="685800" y="5993268"/>
+            <a:ext cx="1400166" cy="178932"/>
+          </a:xfrm>
+          <a:prstGeom xmlns:a="http://schemas.openxmlformats.org/drawingml/2006/main" prst="rect"/>
+          <a:noFill xmlns:a="http://schemas.openxmlformats.org/drawingml/2006/main"/>
+          <a:ln xmlns:a="http://schemas.openxmlformats.org/drawingml/2006/main">
+            <a:noFill/>
+          </a:ln>
+        </p:spPr>
+        <p:txBody>
+          <a:bodyPr xmlns:a="http://schemas.openxmlformats.org/drawingml/2006/main" vert="horz" lIns="0" tIns="0" rIns="0" bIns="0" anchor="t" anchorCtr="0"/>
+          <a:lstStyle xmlns:a="http://schemas.openxmlformats.org/drawingml/2006/main"/>
+          <a:p xmlns:a="http://schemas.openxmlformats.org/drawingml/2006/main">
+            <a:pPr marL="0" marR="0" indent="0" algn="l" rtl="0"/>
+            <a:r>
+              <a:rPr lang="en-US" sz="900" b="0" i="0" u="none" strike="noStrike" dirty="0">
+                <a:solidFill>
+                  <a:srgbClr val="000000"/>
+                </a:solidFill>
+                <a:latin typeface="Arial"/>
+              </a:rPr>
+              <a:t>6/19/2022 9:46 PM</a:t>
+            </a:r>
+          </a:p>
+        </p:txBody>
+      </p:sp>
+      <p:sp>
+        <p:nvSpPr>
+          <p:cNvPr id="437" name=""/>
+          <p:cNvSpPr/>
+          <p:nvPr/>
+        </p:nvSpPr>
+        <p:spPr>
+          <a:xfrm xmlns:a="http://schemas.openxmlformats.org/drawingml/2006/main">
+            <a:off x="6436499" y="5993268"/>
+            <a:ext cx="2015228" cy="178932"/>
+          </a:xfrm>
+          <a:prstGeom xmlns:a="http://schemas.openxmlformats.org/drawingml/2006/main" prst="rect"/>
+          <a:noFill xmlns:a="http://schemas.openxmlformats.org/drawingml/2006/main"/>
+          <a:ln xmlns:a="http://schemas.openxmlformats.org/drawingml/2006/main">
+            <a:noFill/>
+          </a:ln>
+        </p:spPr>
+        <p:txBody>
+          <a:bodyPr xmlns:a="http://schemas.openxmlformats.org/drawingml/2006/main" vert="horz" lIns="0" tIns="0" rIns="0" bIns="0" anchor="t" anchorCtr="0"/>
+          <a:lstStyle xmlns:a="http://schemas.openxmlformats.org/drawingml/2006/main"/>
+          <a:p xmlns:a="http://schemas.openxmlformats.org/drawingml/2006/main">
+            <a:pPr marL="0" marR="0" indent="0" algn="ctr" rtl="0"/>
+            <a:r>
+              <a:rPr lang="en-US" sz="900" b="0" i="0" u="none" strike="noStrike" dirty="0">
+                <a:solidFill>
+                  <a:srgbClr val="000000"/>
+                </a:solidFill>
+                <a:latin typeface="Arial"/>
+              </a:rPr>
+              <a:t>Print User : automation</a:t>
+            </a:r>
+          </a:p>
+        </p:txBody>
+      </p:sp>
+      <p:sp>
+        <p:nvSpPr>
+          <p:cNvPr id="438" name=""/>
+          <p:cNvSpPr/>
+          <p:nvPr/>
+        </p:nvSpPr>
+        <p:spPr>
+          <a:xfrm xmlns:a="http://schemas.openxmlformats.org/drawingml/2006/main" flipV="0">
+            <a:off x="685800" y="5984380"/>
+            <a:ext cx="11505896" cy="0"/>
+          </a:xfrm>
+          <a:prstGeom xmlns:a="http://schemas.openxmlformats.org/drawingml/2006/main" prst="line"/>
+          <a:noFill xmlns:a="http://schemas.openxmlformats.org/drawingml/2006/main"/>
+          <a:ln xmlns:a="http://schemas.openxmlformats.org/drawingml/2006/main" w="12700">
+            <a:solidFill>
+              <a:srgbClr val="000000"/>
+            </a:solidFill>
+            <a:prstDash val="solid"/>
+          </a:ln>
+        </p:spPr>
+      </p:sp>
+      <p:sp>
+        <p:nvSpPr>
+          <p:cNvPr id="439" name=""/>
+          <p:cNvSpPr/>
+          <p:nvPr/>
+        </p:nvSpPr>
+        <p:spPr>
+          <a:xfrm xmlns:a="http://schemas.openxmlformats.org/drawingml/2006/main">
+            <a:off x="880796" y="5613081"/>
+            <a:ext cx="6175757" cy="128020"/>
+          </a:xfrm>
+          <a:prstGeom xmlns:a="http://schemas.openxmlformats.org/drawingml/2006/main" prst="rect"/>
+          <a:noFill xmlns:a="http://schemas.openxmlformats.org/drawingml/2006/main"/>
+          <a:ln xmlns:a="http://schemas.openxmlformats.org/drawingml/2006/main">
+            <a:noFill/>
+          </a:ln>
+        </p:spPr>
+        <p:txBody>
+          <a:bodyPr xmlns:a="http://schemas.openxmlformats.org/drawingml/2006/main" vert="horz" lIns="0" tIns="0" rIns="0" bIns="0" anchor="t" anchorCtr="0"/>
+          <a:lstStyle xmlns:a="http://schemas.openxmlformats.org/drawingml/2006/main"/>
+          <a:p xmlns:a="http://schemas.openxmlformats.org/drawingml/2006/main">
+            <a:pPr marL="0" marR="0" indent="0" algn="l" rtl="0"/>
+            <a:r>
+              <a:rPr lang="en-US" sz="900" b="0" i="0" u="none" strike="noStrike" dirty="0">
+                <a:solidFill>
+                  <a:srgbClr val="FF0000"/>
+                </a:solidFill>
+                <a:latin typeface="Arial"/>
+              </a:rPr>
+              <a:t>*Data provided should be considered CONFIDENTIAL and PROPRIETARY*</a:t>
+            </a:r>
+          </a:p>
+        </p:txBody>
+      </p:sp>
+      <p:sp>
+        <p:nvSpPr>
+          <p:cNvPr id="440" name=""/>
           <p:cNvSpPr/>
           <p:nvPr/>
         </p:nvSpPr>

--- a/NetAgent/src/main/resources/NAQuarantine.pptx
+++ b/NetAgent/src/main/resources/NAQuarantine.pptx
@@ -19,6 +19,8 @@
     <p:sldId xmlns:r="http://schemas.openxmlformats.org/officeDocument/2006/relationships" id="403" r:id="rId50"/>
     <p:sldId xmlns:r="http://schemas.openxmlformats.org/officeDocument/2006/relationships" id="416" r:id="rId54"/>
     <p:sldId xmlns:r="http://schemas.openxmlformats.org/officeDocument/2006/relationships" id="429" r:id="rId58"/>
+    <p:sldId xmlns:r="http://schemas.openxmlformats.org/officeDocument/2006/relationships" id="442" r:id="rId62"/>
+    <p:sldId xmlns:r="http://schemas.openxmlformats.org/officeDocument/2006/relationships" id="455" r:id="rId66"/>
   </p:sldIdLst>
   <p:sldSz cx="12191695" cy="6858000"/>
   <p:notesSz cx="7772400" cy="10058400"/>
@@ -487,7 +489,7 @@
                 </a:solidFill>
                 <a:latin typeface="Arial"/>
               </a:rPr>
-              <a:t>6/19/2022 9:46 PM</a:t>
+              <a:t>6/21/2022 12:43 AM</a:t>
             </a:r>
           </a:p>
         </p:txBody>
@@ -584,6 +586,362 @@
       <p:sp>
         <p:nvSpPr>
           <p:cNvPr id="271" name=""/>
+          <p:cNvSpPr/>
+          <p:nvPr/>
+        </p:nvSpPr>
+        <p:spPr>
+          <a:xfrm xmlns:a="http://schemas.openxmlformats.org/drawingml/2006/main">
+            <a:off x="880796" y="5744274"/>
+            <a:ext cx="6175757" cy="128020"/>
+          </a:xfrm>
+          <a:prstGeom xmlns:a="http://schemas.openxmlformats.org/drawingml/2006/main" prst="rect"/>
+          <a:noFill xmlns:a="http://schemas.openxmlformats.org/drawingml/2006/main"/>
+          <a:ln xmlns:a="http://schemas.openxmlformats.org/drawingml/2006/main">
+            <a:noFill/>
+          </a:ln>
+        </p:spPr>
+        <p:txBody>
+          <a:bodyPr xmlns:a="http://schemas.openxmlformats.org/drawingml/2006/main" vert="horz" lIns="0" tIns="0" rIns="0" bIns="0" anchor="t" anchorCtr="0"/>
+          <a:lstStyle xmlns:a="http://schemas.openxmlformats.org/drawingml/2006/main"/>
+          <a:p xmlns:a="http://schemas.openxmlformats.org/drawingml/2006/main">
+            <a:pPr marL="0" marR="0" indent="0" algn="l" rtl="0"/>
+            <a:r>
+              <a:rPr lang="en-US" sz="900" b="0" i="0" u="none" strike="noStrike" dirty="0">
+                <a:solidFill>
+                  <a:srgbClr val="000000"/>
+                </a:solidFill>
+                <a:latin typeface="Arial"/>
+              </a:rPr>
+              <a:t> ©2011-2022 MNX Global Logistics. All rights reserved.</a:t>
+            </a:r>
+          </a:p>
+        </p:txBody>
+      </p:sp>
+    </p:spTree>
+  </p:cSld>
+  <p:clrMapOvr>
+    <a:masterClrMapping xmlns:a="http://schemas.openxmlformats.org/drawingml/2006/main"/>
+  </p:clrMapOvr>
+</p:sld>
+</file>
+
+<file path=ppt/slides/slide10.xml><?xml version="1.0" encoding="utf-8"?>
+<p:sld xmlns:p="http://schemas.openxmlformats.org/presentationml/2006/main">
+  <p:cSld>
+    <p:spTree>
+      <p:nvGrpSpPr>
+        <p:cNvPr id="454" name=""/>
+        <p:cNvGrpSpPr/>
+        <p:nvPr/>
+      </p:nvGrpSpPr>
+      <p:grpSpPr>
+        <a:xfrm xmlns:a="http://schemas.openxmlformats.org/drawingml/2006/main"/>
+      </p:grpSpPr>
+      <p:sp>
+        <p:nvSpPr>
+          <p:cNvPr id="456" name=""/>
+          <p:cNvSpPr/>
+          <p:nvPr/>
+        </p:nvSpPr>
+        <p:spPr>
+          <a:xfrm xmlns:a="http://schemas.openxmlformats.org/drawingml/2006/main">
+            <a:off x="3429000" y="800100"/>
+            <a:ext cx="4200525" cy="255020"/>
+          </a:xfrm>
+          <a:prstGeom xmlns:a="http://schemas.openxmlformats.org/drawingml/2006/main" prst="rect"/>
+          <a:noFill xmlns:a="http://schemas.openxmlformats.org/drawingml/2006/main"/>
+          <a:ln xmlns:a="http://schemas.openxmlformats.org/drawingml/2006/main">
+            <a:noFill/>
+          </a:ln>
+        </p:spPr>
+        <p:txBody>
+          <a:bodyPr xmlns:a="http://schemas.openxmlformats.org/drawingml/2006/main" vert="horz" lIns="25400" tIns="25400" rIns="25400" bIns="25400" anchor="t" anchorCtr="0"/>
+          <a:lstStyle xmlns:a="http://schemas.openxmlformats.org/drawingml/2006/main"/>
+          <a:p xmlns:a="http://schemas.openxmlformats.org/drawingml/2006/main">
+            <a:pPr marL="0" marR="0" indent="0" algn="ctr" rtl="0"/>
+            <a:r>
+              <a:rPr lang="en-US" sz="1400" b="1" i="0" u="none" strike="noStrike" dirty="0">
+                <a:solidFill>
+                  <a:srgbClr val="000000"/>
+                </a:solidFill>
+                <a:latin typeface="Arial"/>
+              </a:rPr>
+              <a:t>Quarantine Report</a:t>
+            </a:r>
+          </a:p>
+        </p:txBody>
+      </p:sp>
+      <p:pic>
+        <p:nvPicPr>
+          <p:cNvPr id="457" name=""/>
+          <p:cNvPicPr>
+            <a:picLocks xmlns:a="http://schemas.openxmlformats.org/drawingml/2006/main" noChangeAspect="1"/>
+          </p:cNvPicPr>
+          <p:nvPr/>
+        </p:nvPicPr>
+        <p:blipFill>
+          <a:blip xmlns:r="http://schemas.openxmlformats.org/officeDocument/2006/relationships" xmlns:a="http://schemas.openxmlformats.org/drawingml/2006/main" r:embed="rId68"/>
+          <a:srcRect xmlns:a="http://schemas.openxmlformats.org/drawingml/2006/main" l="0" t="0" r="0" b="0"/>
+          <a:stretch xmlns:a="http://schemas.openxmlformats.org/drawingml/2006/main">
+            <a:fillRect/>
+          </a:stretch>
+        </p:blipFill>
+        <p:spPr>
+          <a:xfrm xmlns:a="http://schemas.openxmlformats.org/drawingml/2006/main">
+            <a:off x="685800" y="702671"/>
+            <a:ext cx="1280160" cy="440329"/>
+          </a:xfrm>
+          <a:prstGeom xmlns:a="http://schemas.openxmlformats.org/drawingml/2006/main" prst="rect"/>
+          <a:noFill xmlns:a="http://schemas.openxmlformats.org/drawingml/2006/main"/>
+          <a:ln xmlns:a="http://schemas.openxmlformats.org/drawingml/2006/main">
+            <a:noFill/>
+          </a:ln>
+        </p:spPr>
+      </p:pic>
+      <p:sp>
+        <p:nvSpPr>
+          <p:cNvPr id="458" name=""/>
+          <p:cNvSpPr/>
+          <p:nvPr/>
+        </p:nvSpPr>
+        <p:spPr>
+          <a:xfrm xmlns:a="http://schemas.openxmlformats.org/drawingml/2006/main" flipV="0">
+            <a:off x="685800" y="1231898"/>
+            <a:ext cx="11505896" cy="0"/>
+          </a:xfrm>
+          <a:prstGeom xmlns:a="http://schemas.openxmlformats.org/drawingml/2006/main" prst="line"/>
+          <a:noFill xmlns:a="http://schemas.openxmlformats.org/drawingml/2006/main"/>
+          <a:ln xmlns:a="http://schemas.openxmlformats.org/drawingml/2006/main" w="12700">
+            <a:solidFill>
+              <a:srgbClr val="000000"/>
+            </a:solidFill>
+            <a:prstDash val="dot"/>
+          </a:ln>
+        </p:spPr>
+      </p:sp>
+      <p:sp>
+        <p:nvSpPr>
+          <p:cNvPr id="459" name=""/>
+          <p:cNvSpPr/>
+          <p:nvPr/>
+        </p:nvSpPr>
+        <p:spPr>
+          <a:xfrm xmlns:a="http://schemas.openxmlformats.org/drawingml/2006/main">
+            <a:off x="1422294" y="1316352"/>
+            <a:ext cx="2653680" cy="215268"/>
+          </a:xfrm>
+          <a:prstGeom xmlns:a="http://schemas.openxmlformats.org/drawingml/2006/main" prst="rect"/>
+          <a:noFill xmlns:a="http://schemas.openxmlformats.org/drawingml/2006/main"/>
+          <a:ln xmlns:a="http://schemas.openxmlformats.org/drawingml/2006/main">
+            <a:noFill/>
+          </a:ln>
+        </p:spPr>
+        <p:txBody>
+          <a:bodyPr xmlns:a="http://schemas.openxmlformats.org/drawingml/2006/main" vert="horz" lIns="25400" tIns="25400" rIns="25400" bIns="25400" anchor="t" anchorCtr="0"/>
+          <a:lstStyle xmlns:a="http://schemas.openxmlformats.org/drawingml/2006/main"/>
+          <a:p xmlns:a="http://schemas.openxmlformats.org/drawingml/2006/main">
+            <a:pPr marL="0" marR="0" indent="0" algn="l" rtl="0"/>
+            <a:r>
+              <a:rPr lang="en-US" sz="900" b="0" i="0" u="none" strike="noStrike" dirty="0">
+                <a:solidFill>
+                  <a:srgbClr val="000000"/>
+                </a:solidFill>
+                <a:latin typeface="Arial"/>
+              </a:rPr>
+              <a:t>AUTOMATION RV (F5505)</a:t>
+            </a:r>
+          </a:p>
+        </p:txBody>
+      </p:sp>
+      <p:sp>
+        <p:nvSpPr>
+          <p:cNvPr id="460" name=""/>
+          <p:cNvSpPr/>
+          <p:nvPr/>
+        </p:nvSpPr>
+        <p:spPr>
+          <a:xfrm xmlns:a="http://schemas.openxmlformats.org/drawingml/2006/main">
+            <a:off x="685800" y="1316352"/>
+            <a:ext cx="723793" cy="215268"/>
+          </a:xfrm>
+          <a:prstGeom xmlns:a="http://schemas.openxmlformats.org/drawingml/2006/main" prst="rect"/>
+          <a:solidFill xmlns:a="http://schemas.openxmlformats.org/drawingml/2006/main">
+            <a:srgbClr val="4098C1"/>
+          </a:solidFill>
+          <a:ln xmlns:a="http://schemas.openxmlformats.org/drawingml/2006/main">
+            <a:noFill/>
+          </a:ln>
+        </p:spPr>
+        <p:txBody>
+          <a:bodyPr xmlns:a="http://schemas.openxmlformats.org/drawingml/2006/main" vert="horz" lIns="25400" tIns="25400" rIns="25400" bIns="25400" anchor="t" anchorCtr="0"/>
+          <a:lstStyle xmlns:a="http://schemas.openxmlformats.org/drawingml/2006/main"/>
+          <a:p xmlns:a="http://schemas.openxmlformats.org/drawingml/2006/main">
+            <a:pPr marL="0" marR="0" indent="0" algn="l" rtl="0"/>
+            <a:r>
+              <a:rPr lang="en-US" sz="900" b="0" i="0" u="none" strike="noStrike" dirty="0">
+                <a:solidFill>
+                  <a:srgbClr val="FFFFFF"/>
+                </a:solidFill>
+                <a:latin typeface="Arial"/>
+              </a:rPr>
+              <a:t>FSL Name :</a:t>
+            </a:r>
+          </a:p>
+        </p:txBody>
+      </p:sp>
+      <p:pic>
+        <p:nvPicPr>
+          <p:cNvPr id="461" name=""/>
+          <p:cNvPicPr>
+            <a:picLocks xmlns:a="http://schemas.openxmlformats.org/drawingml/2006/main" noChangeAspect="1"/>
+          </p:cNvPicPr>
+          <p:nvPr/>
+        </p:nvPicPr>
+        <p:blipFill>
+          <a:blip xmlns:r="http://schemas.openxmlformats.org/officeDocument/2006/relationships" xmlns:a="http://schemas.openxmlformats.org/drawingml/2006/main" r:embed="rId69"/>
+          <a:srcRect xmlns:a="http://schemas.openxmlformats.org/drawingml/2006/main" l="0" t="0" r="0" b="0"/>
+          <a:stretch xmlns:a="http://schemas.openxmlformats.org/drawingml/2006/main">
+            <a:fillRect/>
+          </a:stretch>
+        </p:blipFill>
+        <p:spPr>
+          <a:xfrm xmlns:a="http://schemas.openxmlformats.org/drawingml/2006/main">
+            <a:off x="685800" y="1552569"/>
+            <a:ext cx="8791581" cy="1470159"/>
+          </a:xfrm>
+          <a:prstGeom xmlns:a="http://schemas.openxmlformats.org/drawingml/2006/main" prst="rect"/>
+          <a:noFill xmlns:a="http://schemas.openxmlformats.org/drawingml/2006/main"/>
+          <a:ln xmlns:a="http://schemas.openxmlformats.org/drawingml/2006/main">
+            <a:noFill/>
+          </a:ln>
+        </p:spPr>
+      </p:pic>
+      <p:sp>
+        <p:nvSpPr>
+          <p:cNvPr id="462" name=""/>
+          <p:cNvSpPr/>
+          <p:nvPr/>
+        </p:nvSpPr>
+        <p:spPr>
+          <a:xfrm xmlns:a="http://schemas.openxmlformats.org/drawingml/2006/main">
+            <a:off x="685800" y="5993268"/>
+            <a:ext cx="1400166" cy="178932"/>
+          </a:xfrm>
+          <a:prstGeom xmlns:a="http://schemas.openxmlformats.org/drawingml/2006/main" prst="rect"/>
+          <a:noFill xmlns:a="http://schemas.openxmlformats.org/drawingml/2006/main"/>
+          <a:ln xmlns:a="http://schemas.openxmlformats.org/drawingml/2006/main">
+            <a:noFill/>
+          </a:ln>
+        </p:spPr>
+        <p:txBody>
+          <a:bodyPr xmlns:a="http://schemas.openxmlformats.org/drawingml/2006/main" vert="horz" lIns="0" tIns="0" rIns="0" bIns="0" anchor="t" anchorCtr="0"/>
+          <a:lstStyle xmlns:a="http://schemas.openxmlformats.org/drawingml/2006/main"/>
+          <a:p xmlns:a="http://schemas.openxmlformats.org/drawingml/2006/main">
+            <a:pPr marL="0" marR="0" indent="0" algn="l" rtl="0"/>
+            <a:r>
+              <a:rPr lang="en-US" sz="900" b="0" i="0" u="none" strike="noStrike" dirty="0">
+                <a:solidFill>
+                  <a:srgbClr val="000000"/>
+                </a:solidFill>
+                <a:latin typeface="Arial"/>
+              </a:rPr>
+              <a:t>6/21/2022 12:43 AM</a:t>
+            </a:r>
+          </a:p>
+        </p:txBody>
+      </p:sp>
+      <p:sp>
+        <p:nvSpPr>
+          <p:cNvPr id="463" name=""/>
+          <p:cNvSpPr/>
+          <p:nvPr/>
+        </p:nvSpPr>
+        <p:spPr>
+          <a:xfrm xmlns:a="http://schemas.openxmlformats.org/drawingml/2006/main">
+            <a:off x="6436499" y="5993268"/>
+            <a:ext cx="2015228" cy="178932"/>
+          </a:xfrm>
+          <a:prstGeom xmlns:a="http://schemas.openxmlformats.org/drawingml/2006/main" prst="rect"/>
+          <a:noFill xmlns:a="http://schemas.openxmlformats.org/drawingml/2006/main"/>
+          <a:ln xmlns:a="http://schemas.openxmlformats.org/drawingml/2006/main">
+            <a:noFill/>
+          </a:ln>
+        </p:spPr>
+        <p:txBody>
+          <a:bodyPr xmlns:a="http://schemas.openxmlformats.org/drawingml/2006/main" vert="horz" lIns="0" tIns="0" rIns="0" bIns="0" anchor="t" anchorCtr="0"/>
+          <a:lstStyle xmlns:a="http://schemas.openxmlformats.org/drawingml/2006/main"/>
+          <a:p xmlns:a="http://schemas.openxmlformats.org/drawingml/2006/main">
+            <a:pPr marL="0" marR="0" indent="0" algn="ctr" rtl="0"/>
+            <a:r>
+              <a:rPr lang="en-US" sz="900" b="0" i="0" u="none" strike="noStrike" dirty="0">
+                <a:solidFill>
+                  <a:srgbClr val="000000"/>
+                </a:solidFill>
+                <a:latin typeface="Arial"/>
+              </a:rPr>
+              <a:t>Print User : automation</a:t>
+            </a:r>
+          </a:p>
+        </p:txBody>
+      </p:sp>
+      <p:sp>
+        <p:nvSpPr>
+          <p:cNvPr id="464" name=""/>
+          <p:cNvSpPr/>
+          <p:nvPr/>
+        </p:nvSpPr>
+        <p:spPr>
+          <a:xfrm xmlns:a="http://schemas.openxmlformats.org/drawingml/2006/main" flipV="0">
+            <a:off x="685800" y="5984380"/>
+            <a:ext cx="11505896" cy="0"/>
+          </a:xfrm>
+          <a:prstGeom xmlns:a="http://schemas.openxmlformats.org/drawingml/2006/main" prst="line"/>
+          <a:noFill xmlns:a="http://schemas.openxmlformats.org/drawingml/2006/main"/>
+          <a:ln xmlns:a="http://schemas.openxmlformats.org/drawingml/2006/main" w="12700">
+            <a:solidFill>
+              <a:srgbClr val="000000"/>
+            </a:solidFill>
+            <a:prstDash val="solid"/>
+          </a:ln>
+        </p:spPr>
+      </p:sp>
+      <p:sp>
+        <p:nvSpPr>
+          <p:cNvPr id="465" name=""/>
+          <p:cNvSpPr/>
+          <p:nvPr/>
+        </p:nvSpPr>
+        <p:spPr>
+          <a:xfrm xmlns:a="http://schemas.openxmlformats.org/drawingml/2006/main">
+            <a:off x="880796" y="5613081"/>
+            <a:ext cx="6175757" cy="128020"/>
+          </a:xfrm>
+          <a:prstGeom xmlns:a="http://schemas.openxmlformats.org/drawingml/2006/main" prst="rect"/>
+          <a:noFill xmlns:a="http://schemas.openxmlformats.org/drawingml/2006/main"/>
+          <a:ln xmlns:a="http://schemas.openxmlformats.org/drawingml/2006/main">
+            <a:noFill/>
+          </a:ln>
+        </p:spPr>
+        <p:txBody>
+          <a:bodyPr xmlns:a="http://schemas.openxmlformats.org/drawingml/2006/main" vert="horz" lIns="0" tIns="0" rIns="0" bIns="0" anchor="t" anchorCtr="0"/>
+          <a:lstStyle xmlns:a="http://schemas.openxmlformats.org/drawingml/2006/main"/>
+          <a:p xmlns:a="http://schemas.openxmlformats.org/drawingml/2006/main">
+            <a:pPr marL="0" marR="0" indent="0" algn="l" rtl="0"/>
+            <a:r>
+              <a:rPr lang="en-US" sz="900" b="0" i="0" u="none" strike="noStrike" dirty="0">
+                <a:solidFill>
+                  <a:srgbClr val="FF0000"/>
+                </a:solidFill>
+                <a:latin typeface="Arial"/>
+              </a:rPr>
+              <a:t>*Data provided should be considered CONFIDENTIAL and PROPRIETARY*</a:t>
+            </a:r>
+          </a:p>
+        </p:txBody>
+      </p:sp>
+      <p:sp>
+        <p:nvSpPr>
+          <p:cNvPr id="466" name=""/>
           <p:cNvSpPr/>
           <p:nvPr/>
         </p:nvSpPr>
@@ -843,7 +1201,7 @@
                 </a:solidFill>
                 <a:latin typeface="Arial"/>
               </a:rPr>
-              <a:t>6/19/2022 9:46 PM</a:t>
+              <a:t>6/21/2022 12:43 AM</a:t>
             </a:r>
           </a:p>
         </p:txBody>
@@ -1199,7 +1557,7 @@
                 </a:solidFill>
                 <a:latin typeface="Arial"/>
               </a:rPr>
-              <a:t>6/19/2022 9:46 PM</a:t>
+              <a:t>6/21/2022 12:43 AM</a:t>
             </a:r>
           </a:p>
         </p:txBody>
@@ -1555,7 +1913,7 @@
                 </a:solidFill>
                 <a:latin typeface="Arial"/>
               </a:rPr>
-              <a:t>6/19/2022 9:46 PM</a:t>
+              <a:t>6/21/2022 12:43 AM</a:t>
             </a:r>
           </a:p>
         </p:txBody>
@@ -1911,7 +2269,7 @@
                 </a:solidFill>
                 <a:latin typeface="Arial"/>
               </a:rPr>
-              <a:t>6/19/2022 9:46 PM</a:t>
+              <a:t>6/21/2022 12:43 AM</a:t>
             </a:r>
           </a:p>
         </p:txBody>
@@ -2267,7 +2625,7 @@
                 </a:solidFill>
                 <a:latin typeface="Arial"/>
               </a:rPr>
-              <a:t>6/19/2022 9:46 PM</a:t>
+              <a:t>6/21/2022 12:43 AM</a:t>
             </a:r>
           </a:p>
         </p:txBody>
@@ -2623,7 +2981,7 @@
                 </a:solidFill>
                 <a:latin typeface="Arial"/>
               </a:rPr>
-              <a:t>6/19/2022 9:46 PM</a:t>
+              <a:t>6/21/2022 12:43 AM</a:t>
             </a:r>
           </a:p>
         </p:txBody>
@@ -2979,7 +3337,7 @@
                 </a:solidFill>
                 <a:latin typeface="Arial"/>
               </a:rPr>
-              <a:t>6/19/2022 9:46 PM</a:t>
+              <a:t>6/21/2022 12:43 AM</a:t>
             </a:r>
           </a:p>
         </p:txBody>
@@ -3335,7 +3693,7 @@
                 </a:solidFill>
                 <a:latin typeface="Arial"/>
               </a:rPr>
-              <a:t>6/19/2022 9:46 PM</a:t>
+              <a:t>6/21/2022 12:43 AM</a:t>
             </a:r>
           </a:p>
         </p:txBody>
@@ -3691,7 +4049,7 @@
                 </a:solidFill>
                 <a:latin typeface="Arial"/>
               </a:rPr>
-              <a:t>6/19/2022 9:46 PM</a:t>
+              <a:t>6/21/2022 12:43 AM</a:t>
             </a:r>
           </a:p>
         </p:txBody>
@@ -4009,7 +4367,7 @@
         <p:spPr>
           <a:xfrm xmlns:a="http://schemas.openxmlformats.org/drawingml/2006/main">
             <a:off x="685800" y="1552569"/>
-            <a:ext cx="10771311" cy="3723676"/>
+            <a:ext cx="10771311" cy="3929928"/>
           </a:xfrm>
           <a:prstGeom xmlns:a="http://schemas.openxmlformats.org/drawingml/2006/main" prst="rect"/>
           <a:noFill xmlns:a="http://schemas.openxmlformats.org/drawingml/2006/main"/>
@@ -4047,7 +4405,7 @@
                 </a:solidFill>
                 <a:latin typeface="Arial"/>
               </a:rPr>
-              <a:t>6/19/2022 9:46 PM</a:t>
+              <a:t>6/21/2022 12:43 AM</a:t>
             </a:r>
           </a:p>
         </p:txBody>
@@ -4365,7 +4723,7 @@
         <p:spPr>
           <a:xfrm xmlns:a="http://schemas.openxmlformats.org/drawingml/2006/main">
             <a:off x="685800" y="1552569"/>
-            <a:ext cx="8791581" cy="3723676"/>
+            <a:ext cx="8791581" cy="3929928"/>
           </a:xfrm>
           <a:prstGeom xmlns:a="http://schemas.openxmlformats.org/drawingml/2006/main" prst="rect"/>
           <a:noFill xmlns:a="http://schemas.openxmlformats.org/drawingml/2006/main"/>
@@ -4403,7 +4761,7 @@
                 </a:solidFill>
                 <a:latin typeface="Arial"/>
               </a:rPr>
-              <a:t>6/19/2022 9:46 PM</a:t>
+              <a:t>6/21/2022 12:43 AM</a:t>
             </a:r>
           </a:p>
         </p:txBody>
@@ -4721,7 +5079,7 @@
         <p:spPr>
           <a:xfrm xmlns:a="http://schemas.openxmlformats.org/drawingml/2006/main">
             <a:off x="685800" y="1552569"/>
-            <a:ext cx="10771311" cy="806708"/>
+            <a:ext cx="10771311" cy="3444272"/>
           </a:xfrm>
           <a:prstGeom xmlns:a="http://schemas.openxmlformats.org/drawingml/2006/main" prst="rect"/>
           <a:noFill xmlns:a="http://schemas.openxmlformats.org/drawingml/2006/main"/>
@@ -4759,7 +5117,7 @@
                 </a:solidFill>
                 <a:latin typeface="Arial"/>
               </a:rPr>
-              <a:t>6/19/2022 9:46 PM</a:t>
+              <a:t>6/21/2022 12:43 AM</a:t>
             </a:r>
           </a:p>
         </p:txBody>
@@ -5077,7 +5435,7 @@
         <p:spPr>
           <a:xfrm xmlns:a="http://schemas.openxmlformats.org/drawingml/2006/main">
             <a:off x="685800" y="1552569"/>
-            <a:ext cx="8791581" cy="806708"/>
+            <a:ext cx="8791581" cy="3444272"/>
           </a:xfrm>
           <a:prstGeom xmlns:a="http://schemas.openxmlformats.org/drawingml/2006/main" prst="rect"/>
           <a:noFill xmlns:a="http://schemas.openxmlformats.org/drawingml/2006/main"/>
@@ -5115,7 +5473,7 @@
                 </a:solidFill>
                 <a:latin typeface="Arial"/>
               </a:rPr>
-              <a:t>6/19/2022 9:46 PM</a:t>
+              <a:t>6/21/2022 12:43 AM</a:t>
             </a:r>
           </a:p>
         </p:txBody>
@@ -5212,6 +5570,362 @@
       <p:sp>
         <p:nvSpPr>
           <p:cNvPr id="440" name=""/>
+          <p:cNvSpPr/>
+          <p:nvPr/>
+        </p:nvSpPr>
+        <p:spPr>
+          <a:xfrm xmlns:a="http://schemas.openxmlformats.org/drawingml/2006/main">
+            <a:off x="880796" y="5744274"/>
+            <a:ext cx="6175757" cy="128020"/>
+          </a:xfrm>
+          <a:prstGeom xmlns:a="http://schemas.openxmlformats.org/drawingml/2006/main" prst="rect"/>
+          <a:noFill xmlns:a="http://schemas.openxmlformats.org/drawingml/2006/main"/>
+          <a:ln xmlns:a="http://schemas.openxmlformats.org/drawingml/2006/main">
+            <a:noFill/>
+          </a:ln>
+        </p:spPr>
+        <p:txBody>
+          <a:bodyPr xmlns:a="http://schemas.openxmlformats.org/drawingml/2006/main" vert="horz" lIns="0" tIns="0" rIns="0" bIns="0" anchor="t" anchorCtr="0"/>
+          <a:lstStyle xmlns:a="http://schemas.openxmlformats.org/drawingml/2006/main"/>
+          <a:p xmlns:a="http://schemas.openxmlformats.org/drawingml/2006/main">
+            <a:pPr marL="0" marR="0" indent="0" algn="l" rtl="0"/>
+            <a:r>
+              <a:rPr lang="en-US" sz="900" b="0" i="0" u="none" strike="noStrike" dirty="0">
+                <a:solidFill>
+                  <a:srgbClr val="000000"/>
+                </a:solidFill>
+                <a:latin typeface="Arial"/>
+              </a:rPr>
+              <a:t> ©2011-2022 MNX Global Logistics. All rights reserved.</a:t>
+            </a:r>
+          </a:p>
+        </p:txBody>
+      </p:sp>
+    </p:spTree>
+  </p:cSld>
+  <p:clrMapOvr>
+    <a:masterClrMapping xmlns:a="http://schemas.openxmlformats.org/drawingml/2006/main"/>
+  </p:clrMapOvr>
+</p:sld>
+</file>
+
+<file path=ppt/slides/slidef.xml><?xml version="1.0" encoding="utf-8"?>
+<p:sld xmlns:p="http://schemas.openxmlformats.org/presentationml/2006/main">
+  <p:cSld>
+    <p:spTree>
+      <p:nvGrpSpPr>
+        <p:cNvPr id="441" name=""/>
+        <p:cNvGrpSpPr/>
+        <p:nvPr/>
+      </p:nvGrpSpPr>
+      <p:grpSpPr>
+        <a:xfrm xmlns:a="http://schemas.openxmlformats.org/drawingml/2006/main"/>
+      </p:grpSpPr>
+      <p:sp>
+        <p:nvSpPr>
+          <p:cNvPr id="443" name=""/>
+          <p:cNvSpPr/>
+          <p:nvPr/>
+        </p:nvSpPr>
+        <p:spPr>
+          <a:xfrm xmlns:a="http://schemas.openxmlformats.org/drawingml/2006/main">
+            <a:off x="3429000" y="800100"/>
+            <a:ext cx="4200525" cy="255020"/>
+          </a:xfrm>
+          <a:prstGeom xmlns:a="http://schemas.openxmlformats.org/drawingml/2006/main" prst="rect"/>
+          <a:noFill xmlns:a="http://schemas.openxmlformats.org/drawingml/2006/main"/>
+          <a:ln xmlns:a="http://schemas.openxmlformats.org/drawingml/2006/main">
+            <a:noFill/>
+          </a:ln>
+        </p:spPr>
+        <p:txBody>
+          <a:bodyPr xmlns:a="http://schemas.openxmlformats.org/drawingml/2006/main" vert="horz" lIns="25400" tIns="25400" rIns="25400" bIns="25400" anchor="t" anchorCtr="0"/>
+          <a:lstStyle xmlns:a="http://schemas.openxmlformats.org/drawingml/2006/main"/>
+          <a:p xmlns:a="http://schemas.openxmlformats.org/drawingml/2006/main">
+            <a:pPr marL="0" marR="0" indent="0" algn="ctr" rtl="0"/>
+            <a:r>
+              <a:rPr lang="en-US" sz="1400" b="1" i="0" u="none" strike="noStrike" dirty="0">
+                <a:solidFill>
+                  <a:srgbClr val="000000"/>
+                </a:solidFill>
+                <a:latin typeface="Arial"/>
+              </a:rPr>
+              <a:t>Quarantine Report</a:t>
+            </a:r>
+          </a:p>
+        </p:txBody>
+      </p:sp>
+      <p:pic>
+        <p:nvPicPr>
+          <p:cNvPr id="444" name=""/>
+          <p:cNvPicPr>
+            <a:picLocks xmlns:a="http://schemas.openxmlformats.org/drawingml/2006/main" noChangeAspect="1"/>
+          </p:cNvPicPr>
+          <p:nvPr/>
+        </p:nvPicPr>
+        <p:blipFill>
+          <a:blip xmlns:r="http://schemas.openxmlformats.org/officeDocument/2006/relationships" xmlns:a="http://schemas.openxmlformats.org/drawingml/2006/main" r:embed="rId64"/>
+          <a:srcRect xmlns:a="http://schemas.openxmlformats.org/drawingml/2006/main" l="0" t="0" r="0" b="0"/>
+          <a:stretch xmlns:a="http://schemas.openxmlformats.org/drawingml/2006/main">
+            <a:fillRect/>
+          </a:stretch>
+        </p:blipFill>
+        <p:spPr>
+          <a:xfrm xmlns:a="http://schemas.openxmlformats.org/drawingml/2006/main">
+            <a:off x="685800" y="702671"/>
+            <a:ext cx="1280160" cy="440329"/>
+          </a:xfrm>
+          <a:prstGeom xmlns:a="http://schemas.openxmlformats.org/drawingml/2006/main" prst="rect"/>
+          <a:noFill xmlns:a="http://schemas.openxmlformats.org/drawingml/2006/main"/>
+          <a:ln xmlns:a="http://schemas.openxmlformats.org/drawingml/2006/main">
+            <a:noFill/>
+          </a:ln>
+        </p:spPr>
+      </p:pic>
+      <p:sp>
+        <p:nvSpPr>
+          <p:cNvPr id="445" name=""/>
+          <p:cNvSpPr/>
+          <p:nvPr/>
+        </p:nvSpPr>
+        <p:spPr>
+          <a:xfrm xmlns:a="http://schemas.openxmlformats.org/drawingml/2006/main" flipV="0">
+            <a:off x="685800" y="1231898"/>
+            <a:ext cx="11505896" cy="0"/>
+          </a:xfrm>
+          <a:prstGeom xmlns:a="http://schemas.openxmlformats.org/drawingml/2006/main" prst="line"/>
+          <a:noFill xmlns:a="http://schemas.openxmlformats.org/drawingml/2006/main"/>
+          <a:ln xmlns:a="http://schemas.openxmlformats.org/drawingml/2006/main" w="12700">
+            <a:solidFill>
+              <a:srgbClr val="000000"/>
+            </a:solidFill>
+            <a:prstDash val="dot"/>
+          </a:ln>
+        </p:spPr>
+      </p:sp>
+      <p:sp>
+        <p:nvSpPr>
+          <p:cNvPr id="446" name=""/>
+          <p:cNvSpPr/>
+          <p:nvPr/>
+        </p:nvSpPr>
+        <p:spPr>
+          <a:xfrm xmlns:a="http://schemas.openxmlformats.org/drawingml/2006/main">
+            <a:off x="1422294" y="1316352"/>
+            <a:ext cx="2653680" cy="215268"/>
+          </a:xfrm>
+          <a:prstGeom xmlns:a="http://schemas.openxmlformats.org/drawingml/2006/main" prst="rect"/>
+          <a:noFill xmlns:a="http://schemas.openxmlformats.org/drawingml/2006/main"/>
+          <a:ln xmlns:a="http://schemas.openxmlformats.org/drawingml/2006/main">
+            <a:noFill/>
+          </a:ln>
+        </p:spPr>
+        <p:txBody>
+          <a:bodyPr xmlns:a="http://schemas.openxmlformats.org/drawingml/2006/main" vert="horz" lIns="25400" tIns="25400" rIns="25400" bIns="25400" anchor="t" anchorCtr="0"/>
+          <a:lstStyle xmlns:a="http://schemas.openxmlformats.org/drawingml/2006/main"/>
+          <a:p xmlns:a="http://schemas.openxmlformats.org/drawingml/2006/main">
+            <a:pPr marL="0" marR="0" indent="0" algn="l" rtl="0"/>
+            <a:r>
+              <a:rPr lang="en-US" sz="900" b="0" i="0" u="none" strike="noStrike" dirty="0">
+                <a:solidFill>
+                  <a:srgbClr val="000000"/>
+                </a:solidFill>
+                <a:latin typeface="Arial"/>
+              </a:rPr>
+              <a:t>AUTOMATION RV (F5505)</a:t>
+            </a:r>
+          </a:p>
+        </p:txBody>
+      </p:sp>
+      <p:sp>
+        <p:nvSpPr>
+          <p:cNvPr id="447" name=""/>
+          <p:cNvSpPr/>
+          <p:nvPr/>
+        </p:nvSpPr>
+        <p:spPr>
+          <a:xfrm xmlns:a="http://schemas.openxmlformats.org/drawingml/2006/main">
+            <a:off x="685800" y="1316352"/>
+            <a:ext cx="723793" cy="215268"/>
+          </a:xfrm>
+          <a:prstGeom xmlns:a="http://schemas.openxmlformats.org/drawingml/2006/main" prst="rect"/>
+          <a:solidFill xmlns:a="http://schemas.openxmlformats.org/drawingml/2006/main">
+            <a:srgbClr val="4098C1"/>
+          </a:solidFill>
+          <a:ln xmlns:a="http://schemas.openxmlformats.org/drawingml/2006/main">
+            <a:noFill/>
+          </a:ln>
+        </p:spPr>
+        <p:txBody>
+          <a:bodyPr xmlns:a="http://schemas.openxmlformats.org/drawingml/2006/main" vert="horz" lIns="25400" tIns="25400" rIns="25400" bIns="25400" anchor="t" anchorCtr="0"/>
+          <a:lstStyle xmlns:a="http://schemas.openxmlformats.org/drawingml/2006/main"/>
+          <a:p xmlns:a="http://schemas.openxmlformats.org/drawingml/2006/main">
+            <a:pPr marL="0" marR="0" indent="0" algn="l" rtl="0"/>
+            <a:r>
+              <a:rPr lang="en-US" sz="900" b="0" i="0" u="none" strike="noStrike" dirty="0">
+                <a:solidFill>
+                  <a:srgbClr val="FFFFFF"/>
+                </a:solidFill>
+                <a:latin typeface="Arial"/>
+              </a:rPr>
+              <a:t>FSL Name :</a:t>
+            </a:r>
+          </a:p>
+        </p:txBody>
+      </p:sp>
+      <p:pic>
+        <p:nvPicPr>
+          <p:cNvPr id="448" name=""/>
+          <p:cNvPicPr>
+            <a:picLocks xmlns:a="http://schemas.openxmlformats.org/drawingml/2006/main" noChangeAspect="1"/>
+          </p:cNvPicPr>
+          <p:nvPr/>
+        </p:nvPicPr>
+        <p:blipFill>
+          <a:blip xmlns:r="http://schemas.openxmlformats.org/officeDocument/2006/relationships" xmlns:a="http://schemas.openxmlformats.org/drawingml/2006/main" r:embed="rId65"/>
+          <a:srcRect xmlns:a="http://schemas.openxmlformats.org/drawingml/2006/main" l="0" t="0" r="0" b="0"/>
+          <a:stretch xmlns:a="http://schemas.openxmlformats.org/drawingml/2006/main">
+            <a:fillRect/>
+          </a:stretch>
+        </p:blipFill>
+        <p:spPr>
+          <a:xfrm xmlns:a="http://schemas.openxmlformats.org/drawingml/2006/main">
+            <a:off x="685800" y="1552569"/>
+            <a:ext cx="10771311" cy="1470159"/>
+          </a:xfrm>
+          <a:prstGeom xmlns:a="http://schemas.openxmlformats.org/drawingml/2006/main" prst="rect"/>
+          <a:noFill xmlns:a="http://schemas.openxmlformats.org/drawingml/2006/main"/>
+          <a:ln xmlns:a="http://schemas.openxmlformats.org/drawingml/2006/main">
+            <a:noFill/>
+          </a:ln>
+        </p:spPr>
+      </p:pic>
+      <p:sp>
+        <p:nvSpPr>
+          <p:cNvPr id="449" name=""/>
+          <p:cNvSpPr/>
+          <p:nvPr/>
+        </p:nvSpPr>
+        <p:spPr>
+          <a:xfrm xmlns:a="http://schemas.openxmlformats.org/drawingml/2006/main">
+            <a:off x="685800" y="5993268"/>
+            <a:ext cx="1400166" cy="178932"/>
+          </a:xfrm>
+          <a:prstGeom xmlns:a="http://schemas.openxmlformats.org/drawingml/2006/main" prst="rect"/>
+          <a:noFill xmlns:a="http://schemas.openxmlformats.org/drawingml/2006/main"/>
+          <a:ln xmlns:a="http://schemas.openxmlformats.org/drawingml/2006/main">
+            <a:noFill/>
+          </a:ln>
+        </p:spPr>
+        <p:txBody>
+          <a:bodyPr xmlns:a="http://schemas.openxmlformats.org/drawingml/2006/main" vert="horz" lIns="0" tIns="0" rIns="0" bIns="0" anchor="t" anchorCtr="0"/>
+          <a:lstStyle xmlns:a="http://schemas.openxmlformats.org/drawingml/2006/main"/>
+          <a:p xmlns:a="http://schemas.openxmlformats.org/drawingml/2006/main">
+            <a:pPr marL="0" marR="0" indent="0" algn="l" rtl="0"/>
+            <a:r>
+              <a:rPr lang="en-US" sz="900" b="0" i="0" u="none" strike="noStrike" dirty="0">
+                <a:solidFill>
+                  <a:srgbClr val="000000"/>
+                </a:solidFill>
+                <a:latin typeface="Arial"/>
+              </a:rPr>
+              <a:t>6/21/2022 12:43 AM</a:t>
+            </a:r>
+          </a:p>
+        </p:txBody>
+      </p:sp>
+      <p:sp>
+        <p:nvSpPr>
+          <p:cNvPr id="450" name=""/>
+          <p:cNvSpPr/>
+          <p:nvPr/>
+        </p:nvSpPr>
+        <p:spPr>
+          <a:xfrm xmlns:a="http://schemas.openxmlformats.org/drawingml/2006/main">
+            <a:off x="6436499" y="5993268"/>
+            <a:ext cx="2015228" cy="178932"/>
+          </a:xfrm>
+          <a:prstGeom xmlns:a="http://schemas.openxmlformats.org/drawingml/2006/main" prst="rect"/>
+          <a:noFill xmlns:a="http://schemas.openxmlformats.org/drawingml/2006/main"/>
+          <a:ln xmlns:a="http://schemas.openxmlformats.org/drawingml/2006/main">
+            <a:noFill/>
+          </a:ln>
+        </p:spPr>
+        <p:txBody>
+          <a:bodyPr xmlns:a="http://schemas.openxmlformats.org/drawingml/2006/main" vert="horz" lIns="0" tIns="0" rIns="0" bIns="0" anchor="t" anchorCtr="0"/>
+          <a:lstStyle xmlns:a="http://schemas.openxmlformats.org/drawingml/2006/main"/>
+          <a:p xmlns:a="http://schemas.openxmlformats.org/drawingml/2006/main">
+            <a:pPr marL="0" marR="0" indent="0" algn="ctr" rtl="0"/>
+            <a:r>
+              <a:rPr lang="en-US" sz="900" b="0" i="0" u="none" strike="noStrike" dirty="0">
+                <a:solidFill>
+                  <a:srgbClr val="000000"/>
+                </a:solidFill>
+                <a:latin typeface="Arial"/>
+              </a:rPr>
+              <a:t>Print User : automation</a:t>
+            </a:r>
+          </a:p>
+        </p:txBody>
+      </p:sp>
+      <p:sp>
+        <p:nvSpPr>
+          <p:cNvPr id="451" name=""/>
+          <p:cNvSpPr/>
+          <p:nvPr/>
+        </p:nvSpPr>
+        <p:spPr>
+          <a:xfrm xmlns:a="http://schemas.openxmlformats.org/drawingml/2006/main" flipV="0">
+            <a:off x="685800" y="5984380"/>
+            <a:ext cx="11505896" cy="0"/>
+          </a:xfrm>
+          <a:prstGeom xmlns:a="http://schemas.openxmlformats.org/drawingml/2006/main" prst="line"/>
+          <a:noFill xmlns:a="http://schemas.openxmlformats.org/drawingml/2006/main"/>
+          <a:ln xmlns:a="http://schemas.openxmlformats.org/drawingml/2006/main" w="12700">
+            <a:solidFill>
+              <a:srgbClr val="000000"/>
+            </a:solidFill>
+            <a:prstDash val="solid"/>
+          </a:ln>
+        </p:spPr>
+      </p:sp>
+      <p:sp>
+        <p:nvSpPr>
+          <p:cNvPr id="452" name=""/>
+          <p:cNvSpPr/>
+          <p:nvPr/>
+        </p:nvSpPr>
+        <p:spPr>
+          <a:xfrm xmlns:a="http://schemas.openxmlformats.org/drawingml/2006/main">
+            <a:off x="880796" y="5613081"/>
+            <a:ext cx="6175757" cy="128020"/>
+          </a:xfrm>
+          <a:prstGeom xmlns:a="http://schemas.openxmlformats.org/drawingml/2006/main" prst="rect"/>
+          <a:noFill xmlns:a="http://schemas.openxmlformats.org/drawingml/2006/main"/>
+          <a:ln xmlns:a="http://schemas.openxmlformats.org/drawingml/2006/main">
+            <a:noFill/>
+          </a:ln>
+        </p:spPr>
+        <p:txBody>
+          <a:bodyPr xmlns:a="http://schemas.openxmlformats.org/drawingml/2006/main" vert="horz" lIns="0" tIns="0" rIns="0" bIns="0" anchor="t" anchorCtr="0"/>
+          <a:lstStyle xmlns:a="http://schemas.openxmlformats.org/drawingml/2006/main"/>
+          <a:p xmlns:a="http://schemas.openxmlformats.org/drawingml/2006/main">
+            <a:pPr marL="0" marR="0" indent="0" algn="l" rtl="0"/>
+            <a:r>
+              <a:rPr lang="en-US" sz="900" b="0" i="0" u="none" strike="noStrike" dirty="0">
+                <a:solidFill>
+                  <a:srgbClr val="FF0000"/>
+                </a:solidFill>
+                <a:latin typeface="Arial"/>
+              </a:rPr>
+              <a:t>*Data provided should be considered CONFIDENTIAL and PROPRIETARY*</a:t>
+            </a:r>
+          </a:p>
+        </p:txBody>
+      </p:sp>
+      <p:sp>
+        <p:nvSpPr>
+          <p:cNvPr id="453" name=""/>
           <p:cNvSpPr/>
           <p:nvPr/>
         </p:nvSpPr>
